--- a/KickinItOldSchool.pptx
+++ b/KickinItOldSchool.pptx
@@ -5971,52 +5971,38 @@
         </p:spPr>
         <p:txBody>
           <a:bodyPr>
-            <a:normAutofit lnSpcReduction="10000"/>
+            <a:normAutofit/>
           </a:bodyPr>
           <a:lstStyle/>
           <a:p>
             <a:r>
               <a:rPr lang="en-US" dirty="0"/>
-              <a:t>We expected to see that the artists at the top of the Billboard charts would also be the most highly ranked amongst Spotify Popularity ratings. </a:t>
+              <a:t>Billboard Ranks and Spotify Popularity Ratings account for different measures in their composition, but they are moderately correlated.</a:t>
             </a:r>
           </a:p>
           <a:p>
             <a:r>
               <a:rPr lang="en-US" dirty="0"/>
-              <a:t>Our graphs showed that there is a positive correlation between popularity on Spotify with Billboard rankings, but it is not a strong correlation. For example, Drake scored 100 on Spotify {Popularity and was 5th on the Billboards.</a:t>
-            </a:r>
-            <a:br>
+              <a:t>One might hypothesize that Spotify ratings may be influenced by the demographics of their users (e.g. age), as Billboard Ranks include radio play and sales data which might reflect a larger range of age demographics</a:t>
+            </a:r>
+          </a:p>
+          <a:p>
+            <a:r>
               <a:rPr lang="en-US" dirty="0"/>
-            </a:br>
-            <a:endParaRPr lang="en-US" dirty="0"/>
+              <a:t>Billboard Ranks and Spotify Follower numbers have greater variation than trends in Spotify Popularity.</a:t>
+            </a:r>
           </a:p>
           <a:p>
             <a:r>
               <a:rPr lang="en-US" dirty="0"/>
-              <a:t>Billboard Ranks and Spotify Follower numbers have greater variation than trends in Spotify Popularity</a:t>
+              <a:t>Among the top 100 Billboard Artists of 2019, pop and rap artists are highly represented</a:t>
             </a:r>
           </a:p>
           <a:p>
             <a:r>
               <a:rPr lang="en-US" dirty="0"/>
-              <a:t>For example, we found that Ed Sheeran had the most followers on Spotify with 71,783,101 followers and only ranked 7th on the Billboards. Also, Justin Bieber had 39,214,943 followers (within the top 10 artists ranked by followers), but was 75 on the Billboard charts. </a:t>
-            </a:r>
-          </a:p>
-          <a:p>
-            <a:r>
-              <a:rPr lang="en-US" dirty="0"/>
-              <a:t>Among the top 100 Billboard Artists of 2019, pop and rap artists are highly represented.</a:t>
-            </a:r>
-          </a:p>
-          <a:p>
-            <a:r>
-              <a:rPr lang="en-US" dirty="0"/>
-              <a:t>Music, like other things in popular culture, has unique sub-genres or types as shown in the Spotify genres typology. -</a:t>
-            </a:r>
-          </a:p>
-          <a:p>
-            <a:endParaRPr lang="en-US" dirty="0"/>
+              <a:t>Music, like other things in popular culture, has unique sub-genres or types as shown in the Spotify genres typology.</a:t>
+            </a:r>
           </a:p>
         </p:txBody>
       </p:sp>

--- a/KickinItOldSchool.pptx
+++ b/KickinItOldSchool.pptx
@@ -210,7 +210,7 @@
           <a:p>
             <a:fld id="{BA0E8A11-281E-4B8E-929A-3A6D064AF893}" type="datetimeFigureOut">
               <a:rPr lang="en-US" smtClean="0"/>
-              <a:t>11/13/20</a:t>
+              <a:t>11/14/20</a:t>
             </a:fld>
             <a:endParaRPr lang="en-US"/>
           </a:p>
@@ -1348,6 +1348,90 @@
 </p:notes>
 </file>
 
+<file path=ppt/notesSlides/notesSlide7.xml><?xml version="1.0" encoding="utf-8"?>
+<p:notes xmlns:a="http://schemas.openxmlformats.org/drawingml/2006/main" xmlns:r="http://schemas.openxmlformats.org/officeDocument/2006/relationships" xmlns:p="http://schemas.openxmlformats.org/presentationml/2006/main">
+  <p:cSld>
+    <p:spTree>
+      <p:nvGrpSpPr>
+        <p:cNvPr id="1" name=""/>
+        <p:cNvGrpSpPr/>
+        <p:nvPr/>
+      </p:nvGrpSpPr>
+      <p:grpSpPr>
+        <a:xfrm>
+          <a:off x="0" y="0"/>
+          <a:ext cx="0" cy="0"/>
+          <a:chOff x="0" y="0"/>
+          <a:chExt cx="0" cy="0"/>
+        </a:xfrm>
+      </p:grpSpPr>
+      <p:sp>
+        <p:nvSpPr>
+          <p:cNvPr id="2" name="Slide Image Placeholder 1"/>
+          <p:cNvSpPr>
+            <a:spLocks noGrp="1" noRot="1" noChangeAspect="1"/>
+          </p:cNvSpPr>
+          <p:nvPr>
+            <p:ph type="sldImg"/>
+          </p:nvPr>
+        </p:nvSpPr>
+        <p:spPr/>
+      </p:sp>
+      <p:sp>
+        <p:nvSpPr>
+          <p:cNvPr id="3" name="Notes Placeholder 2"/>
+          <p:cNvSpPr>
+            <a:spLocks noGrp="1"/>
+          </p:cNvSpPr>
+          <p:nvPr>
+            <p:ph type="body" idx="1"/>
+          </p:nvPr>
+        </p:nvSpPr>
+        <p:spPr/>
+        <p:txBody>
+          <a:bodyPr/>
+          <a:lstStyle/>
+          <a:p>
+            <a:endParaRPr lang="en-US" dirty="0"/>
+          </a:p>
+        </p:txBody>
+      </p:sp>
+      <p:sp>
+        <p:nvSpPr>
+          <p:cNvPr id="4" name="Slide Number Placeholder 3"/>
+          <p:cNvSpPr>
+            <a:spLocks noGrp="1"/>
+          </p:cNvSpPr>
+          <p:nvPr>
+            <p:ph type="sldNum" sz="quarter" idx="5"/>
+          </p:nvPr>
+        </p:nvSpPr>
+        <p:spPr/>
+        <p:txBody>
+          <a:bodyPr/>
+          <a:lstStyle/>
+          <a:p>
+            <a:fld id="{7C302338-078A-419C-B0CE-8F674264FC97}" type="slidenum">
+              <a:rPr lang="en-US" smtClean="0"/>
+              <a:t>13</a:t>
+            </a:fld>
+            <a:endParaRPr lang="en-US"/>
+          </a:p>
+        </p:txBody>
+      </p:sp>
+    </p:spTree>
+    <p:extLst>
+      <p:ext uri="{BB962C8B-B14F-4D97-AF65-F5344CB8AC3E}">
+        <p14:creationId xmlns:p14="http://schemas.microsoft.com/office/powerpoint/2010/main" val="2457927984"/>
+      </p:ext>
+    </p:extLst>
+  </p:cSld>
+  <p:clrMapOvr>
+    <a:masterClrMapping/>
+  </p:clrMapOvr>
+</p:notes>
+</file>
+
 <file path=ppt/slideLayouts/slideLayout1.xml><?xml version="1.0" encoding="utf-8"?>
 <p:sldLayout xmlns:a="http://schemas.openxmlformats.org/drawingml/2006/main" xmlns:r="http://schemas.openxmlformats.org/officeDocument/2006/relationships" xmlns:p="http://schemas.openxmlformats.org/presentationml/2006/main" showMasterSp="0" type="title" preserve="1">
   <p:cSld name="Title Slide">
@@ -1751,7 +1835,7 @@
           <a:p>
             <a:fld id="{9A62AC6B-398B-4B08-80E6-CF50FF73DF06}" type="datetimeFigureOut">
               <a:rPr lang="en-US" smtClean="0"/>
-              <a:t>11/13/20</a:t>
+              <a:t>11/14/20</a:t>
             </a:fld>
             <a:endParaRPr lang="en-US"/>
           </a:p>
@@ -1930,7 +2014,7 @@
           <a:p>
             <a:fld id="{9A62AC6B-398B-4B08-80E6-CF50FF73DF06}" type="datetimeFigureOut">
               <a:rPr lang="en-US" smtClean="0"/>
-              <a:t>11/13/20</a:t>
+              <a:t>11/14/20</a:t>
             </a:fld>
             <a:endParaRPr lang="en-US"/>
           </a:p>
@@ -2110,7 +2194,7 @@
           <a:p>
             <a:fld id="{9A62AC6B-398B-4B08-80E6-CF50FF73DF06}" type="datetimeFigureOut">
               <a:rPr lang="en-US" smtClean="0"/>
-              <a:t>11/13/20</a:t>
+              <a:t>11/14/20</a:t>
             </a:fld>
             <a:endParaRPr lang="en-US"/>
           </a:p>
@@ -2280,7 +2364,7 @@
           <a:p>
             <a:fld id="{9A62AC6B-398B-4B08-80E6-CF50FF73DF06}" type="datetimeFigureOut">
               <a:rPr lang="en-US" smtClean="0"/>
-              <a:t>11/13/20</a:t>
+              <a:t>11/14/20</a:t>
             </a:fld>
             <a:endParaRPr lang="en-US"/>
           </a:p>
@@ -2593,7 +2677,7 @@
           <a:p>
             <a:fld id="{9A62AC6B-398B-4B08-80E6-CF50FF73DF06}" type="datetimeFigureOut">
               <a:rPr lang="en-US" smtClean="0"/>
-              <a:t>11/13/20</a:t>
+              <a:t>11/14/20</a:t>
             </a:fld>
             <a:endParaRPr lang="en-US"/>
           </a:p>
@@ -2979,7 +3063,7 @@
           <a:p>
             <a:fld id="{9A62AC6B-398B-4B08-80E6-CF50FF73DF06}" type="datetimeFigureOut">
               <a:rPr lang="en-US" smtClean="0"/>
-              <a:t>11/13/20</a:t>
+              <a:t>11/14/20</a:t>
             </a:fld>
             <a:endParaRPr lang="en-US"/>
           </a:p>
@@ -3413,7 +3497,7 @@
           <a:p>
             <a:fld id="{9A62AC6B-398B-4B08-80E6-CF50FF73DF06}" type="datetimeFigureOut">
               <a:rPr lang="en-US" smtClean="0"/>
-              <a:t>11/13/20</a:t>
+              <a:t>11/14/20</a:t>
             </a:fld>
             <a:endParaRPr lang="en-US"/>
           </a:p>
@@ -3531,7 +3615,7 @@
           <a:p>
             <a:fld id="{9A62AC6B-398B-4B08-80E6-CF50FF73DF06}" type="datetimeFigureOut">
               <a:rPr lang="en-US" smtClean="0"/>
-              <a:t>11/13/20</a:t>
+              <a:t>11/14/20</a:t>
             </a:fld>
             <a:endParaRPr lang="en-US"/>
           </a:p>
@@ -3626,7 +3710,7 @@
           <a:p>
             <a:fld id="{9A62AC6B-398B-4B08-80E6-CF50FF73DF06}" type="datetimeFigureOut">
               <a:rPr lang="en-US" smtClean="0"/>
-              <a:t>11/13/20</a:t>
+              <a:t>11/14/20</a:t>
             </a:fld>
             <a:endParaRPr lang="en-US"/>
           </a:p>
@@ -3976,7 +4060,7 @@
           <a:p>
             <a:fld id="{9A62AC6B-398B-4B08-80E6-CF50FF73DF06}" type="datetimeFigureOut">
               <a:rPr lang="en-US" smtClean="0"/>
-              <a:t>11/13/20</a:t>
+              <a:t>11/14/20</a:t>
             </a:fld>
             <a:endParaRPr lang="en-US"/>
           </a:p>
@@ -4401,7 +4485,7 @@
           <a:p>
             <a:fld id="{9A62AC6B-398B-4B08-80E6-CF50FF73DF06}" type="datetimeFigureOut">
               <a:rPr lang="en-US" smtClean="0"/>
-              <a:t>11/13/20</a:t>
+              <a:t>11/14/20</a:t>
             </a:fld>
             <a:endParaRPr lang="en-US"/>
           </a:p>
@@ -4682,7 +4766,7 @@
           <a:p>
             <a:fld id="{9A62AC6B-398B-4B08-80E6-CF50FF73DF06}" type="datetimeFigureOut">
               <a:rPr lang="en-US" smtClean="0"/>
-              <a:t>11/13/20</a:t>
+              <a:t>11/14/20</a:t>
             </a:fld>
             <a:endParaRPr lang="en-US"/>
           </a:p>
@@ -5788,15 +5872,7 @@
             </a:pPr>
             <a:r>
               <a:rPr lang="en-US" dirty="0"/>
-              <a:t>While the data is largely skewed to the left with hundreds of thousands to 2 million followers, there are some outliers– Ed Sheeran and the </a:t>
-            </a:r>
-            <a:r>
-              <a:rPr lang="en-US" dirty="0" err="1"/>
-              <a:t>Beibs</a:t>
-            </a:r>
-            <a:r>
-              <a:rPr lang="en-US" dirty="0"/>
-              <a:t>!</a:t>
+              <a:t>While the data is largely skewed to the left with hundreds of thousands to 2 million followers, there are some outliers– Ed Sheeran and Justin Bieber!</a:t>
             </a:r>
           </a:p>
           <a:p>
@@ -5983,7 +6059,7 @@
           <a:p>
             <a:r>
               <a:rPr lang="en-US" dirty="0"/>
-              <a:t>One might hypothesize that Spotify ratings may be influenced by the demographics of their users (e.g. age), as Billboard Ranks include radio play and sales data which might reflect a larger range of age demographics</a:t>
+              <a:t>One might hypothesize that Spotify ratings may be influenced by the demographics of their users (e.g. age), as Billboard Ranks include radio play and sales data which might reflect a larger range of age demographics.</a:t>
             </a:r>
           </a:p>
           <a:p>
@@ -5995,7 +6071,7 @@
           <a:p>
             <a:r>
               <a:rPr lang="en-US" dirty="0"/>
-              <a:t>Among the top 100 Billboard Artists of 2019, pop and rap artists are highly represented</a:t>
+              <a:t>Among the top 100 Billboard Artists of 2019, pop and rap artists are highly represented.</a:t>
             </a:r>
           </a:p>
           <a:p>
@@ -6106,7 +6182,7 @@
             <a:pPr lvl="1"/>
             <a:r>
               <a:rPr lang="en-US" sz="2400" dirty="0"/>
-              <a:t> DO YOUR RESEARCH! , but know when to ask for HELP!</a:t>
+              <a:t> DO YOUR RESEARCH! but know when to ask for HELP!</a:t>
             </a:r>
           </a:p>
           <a:p>
@@ -6125,7 +6201,7 @@
             <a:pPr lvl="1"/>
             <a:r>
               <a:rPr lang="en-US" sz="2400" dirty="0"/>
-              <a:t> Look through documentation for ways to pretty up charts!</a:t>
+              <a:t> Look through documentation for ways to enhance charts!</a:t>
             </a:r>
           </a:p>
           <a:p>
@@ -6171,7 +6247,7 @@
             </a:pPr>
             <a:r>
               <a:rPr lang="en-US" sz="2400" dirty="0"/>
-              <a:t> Danceability, Energy, </a:t>
+              <a:t> Danceability,  Energy,  </a:t>
             </a:r>
             <a:r>
               <a:rPr lang="en-US" sz="2400" dirty="0" err="1"/>
